--- a/scores.pptx
+++ b/scores.pptx
@@ -7,6 +7,7 @@
   <p:sldIdLst>
     <p:sldId id="256" r:id="rId5"/>
     <p:sldId id="257" r:id="rId6"/>
+    <p:sldId id="258" r:id="rId7"/>
   </p:sldIdLst>
   <p:sldSz cx="12192000" cy="6858000"/>
   <p:notesSz cx="6858000" cy="9144000"/>
@@ -105,6 +106,11 @@
       </a:defRPr>
     </a:lvl9pPr>
   </p:defaultTextStyle>
+  <p:extLst>
+    <p:ext uri="{EFAFB233-063F-42B5-8137-9DF3F51BA10A}">
+      <p15:sldGuideLst xmlns:p15="http://schemas.microsoft.com/office/powerpoint/2012/main"/>
+    </p:ext>
+  </p:extLst>
 </p:presentation>
 </file>
 
@@ -239,7 +245,7 @@
           <a:p>
             <a:fld id="{4AD04F3B-4CB6-4A5F-A2C9-D4C7974418E1}" type="datetimeFigureOut">
               <a:rPr lang="en-GB" smtClean="0"/>
-              <a:t>05/07/2020</a:t>
+              <a:t>07/07/2020</a:t>
             </a:fld>
             <a:endParaRPr lang="en-GB"/>
           </a:p>
@@ -409,7 +415,7 @@
           <a:p>
             <a:fld id="{4AD04F3B-4CB6-4A5F-A2C9-D4C7974418E1}" type="datetimeFigureOut">
               <a:rPr lang="en-GB" smtClean="0"/>
-              <a:t>05/07/2020</a:t>
+              <a:t>07/07/2020</a:t>
             </a:fld>
             <a:endParaRPr lang="en-GB"/>
           </a:p>
@@ -589,7 +595,7 @@
           <a:p>
             <a:fld id="{4AD04F3B-4CB6-4A5F-A2C9-D4C7974418E1}" type="datetimeFigureOut">
               <a:rPr lang="en-GB" smtClean="0"/>
-              <a:t>05/07/2020</a:t>
+              <a:t>07/07/2020</a:t>
             </a:fld>
             <a:endParaRPr lang="en-GB"/>
           </a:p>
@@ -759,7 +765,7 @@
           <a:p>
             <a:fld id="{4AD04F3B-4CB6-4A5F-A2C9-D4C7974418E1}" type="datetimeFigureOut">
               <a:rPr lang="en-GB" smtClean="0"/>
-              <a:t>05/07/2020</a:t>
+              <a:t>07/07/2020</a:t>
             </a:fld>
             <a:endParaRPr lang="en-GB"/>
           </a:p>
@@ -1005,7 +1011,7 @@
           <a:p>
             <a:fld id="{4AD04F3B-4CB6-4A5F-A2C9-D4C7974418E1}" type="datetimeFigureOut">
               <a:rPr lang="en-GB" smtClean="0"/>
-              <a:t>05/07/2020</a:t>
+              <a:t>07/07/2020</a:t>
             </a:fld>
             <a:endParaRPr lang="en-GB"/>
           </a:p>
@@ -1237,7 +1243,7 @@
           <a:p>
             <a:fld id="{4AD04F3B-4CB6-4A5F-A2C9-D4C7974418E1}" type="datetimeFigureOut">
               <a:rPr lang="en-GB" smtClean="0"/>
-              <a:t>05/07/2020</a:t>
+              <a:t>07/07/2020</a:t>
             </a:fld>
             <a:endParaRPr lang="en-GB"/>
           </a:p>
@@ -1604,7 +1610,7 @@
           <a:p>
             <a:fld id="{4AD04F3B-4CB6-4A5F-A2C9-D4C7974418E1}" type="datetimeFigureOut">
               <a:rPr lang="en-GB" smtClean="0"/>
-              <a:t>05/07/2020</a:t>
+              <a:t>07/07/2020</a:t>
             </a:fld>
             <a:endParaRPr lang="en-GB"/>
           </a:p>
@@ -1722,7 +1728,7 @@
           <a:p>
             <a:fld id="{4AD04F3B-4CB6-4A5F-A2C9-D4C7974418E1}" type="datetimeFigureOut">
               <a:rPr lang="en-GB" smtClean="0"/>
-              <a:t>05/07/2020</a:t>
+              <a:t>07/07/2020</a:t>
             </a:fld>
             <a:endParaRPr lang="en-GB"/>
           </a:p>
@@ -1817,7 +1823,7 @@
           <a:p>
             <a:fld id="{4AD04F3B-4CB6-4A5F-A2C9-D4C7974418E1}" type="datetimeFigureOut">
               <a:rPr lang="en-GB" smtClean="0"/>
-              <a:t>05/07/2020</a:t>
+              <a:t>07/07/2020</a:t>
             </a:fld>
             <a:endParaRPr lang="en-GB"/>
           </a:p>
@@ -2094,7 +2100,7 @@
           <a:p>
             <a:fld id="{4AD04F3B-4CB6-4A5F-A2C9-D4C7974418E1}" type="datetimeFigureOut">
               <a:rPr lang="en-GB" smtClean="0"/>
-              <a:t>05/07/2020</a:t>
+              <a:t>07/07/2020</a:t>
             </a:fld>
             <a:endParaRPr lang="en-GB"/>
           </a:p>
@@ -2347,7 +2353,7 @@
           <a:p>
             <a:fld id="{4AD04F3B-4CB6-4A5F-A2C9-D4C7974418E1}" type="datetimeFigureOut">
               <a:rPr lang="en-GB" smtClean="0"/>
-              <a:t>05/07/2020</a:t>
+              <a:t>07/07/2020</a:t>
             </a:fld>
             <a:endParaRPr lang="en-GB"/>
           </a:p>
@@ -2560,7 +2566,7 @@
           <a:p>
             <a:fld id="{4AD04F3B-4CB6-4A5F-A2C9-D4C7974418E1}" type="datetimeFigureOut">
               <a:rPr lang="en-GB" smtClean="0"/>
-              <a:t>05/07/2020</a:t>
+              <a:t>07/07/2020</a:t>
             </a:fld>
             <a:endParaRPr lang="en-GB"/>
           </a:p>
@@ -3040,8 +3046,8 @@
           <a:chExt cx="0" cy="0"/>
         </a:xfrm>
       </p:grpSpPr>
-      <mc:AlternateContent xmlns:mc="http://schemas.openxmlformats.org/markup-compatibility/2006">
-        <mc:Choice xmlns:a14="http://schemas.microsoft.com/office/drawing/2010/main" Requires="a14">
+      <mc:AlternateContent xmlns:mc="http://schemas.openxmlformats.org/markup-compatibility/2006" xmlns:a14="http://schemas.microsoft.com/office/drawing/2010/main">
+        <mc:Choice Requires="a14">
           <p:sp>
             <p:nvSpPr>
               <p:cNvPr id="4" name="TextBox 3"/>
@@ -3064,6 +3070,7 @@
               </a:bodyPr>
               <a:lstStyle/>
               <a:p>
+                <a:pPr/>
                 <a14:m>
                   <m:oMathPara xmlns:m="http://schemas.openxmlformats.org/officeDocument/2006/math">
                     <m:oMathParaPr>
@@ -3251,6 +3258,396 @@
             </p:txBody>
           </p:sp>
         </mc:Choice>
+        <mc:Fallback xmlns="">
+          <p:sp>
+            <p:nvSpPr>
+              <p:cNvPr id="4" name="TextBox 3"/>
+              <p:cNvSpPr txBox="1">
+                <a:spLocks noRot="1" noChangeAspect="1" noMove="1" noResize="1" noEditPoints="1" noAdjustHandles="1" noChangeArrowheads="1" noChangeShapeType="1" noTextEdit="1"/>
+              </p:cNvSpPr>
+              <p:nvPr/>
+            </p:nvSpPr>
+            <p:spPr>
+              <a:xfrm>
+                <a:off x="775062" y="992777"/>
+                <a:ext cx="10476411" cy="665567"/>
+              </a:xfrm>
+              <a:prstGeom prst="rect">
+                <a:avLst/>
+              </a:prstGeom>
+              <a:blipFill>
+                <a:blip r:embed="rId2"/>
+                <a:stretch>
+                  <a:fillRect/>
+                </a:stretch>
+              </a:blipFill>
+            </p:spPr>
+            <p:txBody>
+              <a:bodyPr/>
+              <a:lstStyle/>
+              <a:p>
+                <a:r>
+                  <a:rPr lang="en-GB">
+                    <a:noFill/>
+                  </a:rPr>
+                  <a:t> </a:t>
+                </a:r>
+              </a:p>
+            </p:txBody>
+          </p:sp>
+        </mc:Fallback>
+      </mc:AlternateContent>
+      <p:sp>
+        <p:nvSpPr>
+          <p:cNvPr id="5" name="TextBox 4"/>
+          <p:cNvSpPr txBox="1"/>
+          <p:nvPr/>
+        </p:nvSpPr>
+        <p:spPr>
+          <a:xfrm>
+            <a:off x="2394857" y="2447109"/>
+            <a:ext cx="8186057" cy="3139321"/>
+          </a:xfrm>
+          <a:prstGeom prst="rect">
+            <a:avLst/>
+          </a:prstGeom>
+          <a:noFill/>
+        </p:spPr>
+        <p:txBody>
+          <a:bodyPr wrap="square" rtlCol="0">
+            <a:spAutoFit/>
+          </a:bodyPr>
+          <a:lstStyle/>
+          <a:p>
+            <a:r>
+              <a:rPr lang="en-US" dirty="0" smtClean="0"/>
+              <a:t>Every game has a certain amount of points to be won, depending on the duration of the game</a:t>
+            </a:r>
+          </a:p>
+          <a:p>
+            <a:endParaRPr lang="en-US" dirty="0"/>
+          </a:p>
+          <a:p>
+            <a:r>
+              <a:rPr lang="en-US" dirty="0" smtClean="0"/>
+              <a:t>Less that 30 minutes = 1 point</a:t>
+            </a:r>
+          </a:p>
+          <a:p>
+            <a:r>
+              <a:rPr lang="en-US" dirty="0" smtClean="0"/>
+              <a:t>Less than 90 minutes = 2 points</a:t>
+            </a:r>
+          </a:p>
+          <a:p>
+            <a:r>
+              <a:rPr lang="en-US" dirty="0" smtClean="0"/>
+              <a:t>Less than 180 minutes = 3 points </a:t>
+            </a:r>
+          </a:p>
+          <a:p>
+            <a:r>
+              <a:rPr lang="en-US" dirty="0" smtClean="0"/>
+              <a:t>More than 180 minutes = 4 points </a:t>
+            </a:r>
+          </a:p>
+          <a:p>
+            <a:endParaRPr lang="en-US" dirty="0" smtClean="0"/>
+          </a:p>
+          <a:p>
+            <a:r>
+              <a:rPr lang="en-US" dirty="0" smtClean="0"/>
+              <a:t>Points won is the number of points won by the player</a:t>
+            </a:r>
+          </a:p>
+          <a:p>
+            <a:r>
+              <a:rPr lang="en-US" dirty="0" smtClean="0"/>
+              <a:t>Points played is the sum of the points of all the games the player participated in</a:t>
+            </a:r>
+            <a:endParaRPr lang="en-US" dirty="0"/>
+          </a:p>
+          <a:p>
+            <a:r>
+              <a:rPr lang="en-US" dirty="0" smtClean="0"/>
+              <a:t>The total points played is the sum of all games that have been played</a:t>
+            </a:r>
+          </a:p>
+        </p:txBody>
+      </p:sp>
+    </p:spTree>
+    <p:extLst>
+      <p:ext uri="{BB962C8B-B14F-4D97-AF65-F5344CB8AC3E}">
+        <p14:creationId xmlns:p14="http://schemas.microsoft.com/office/powerpoint/2010/main" val="3427591774"/>
+      </p:ext>
+    </p:extLst>
+  </p:cSld>
+  <p:clrMapOvr>
+    <a:masterClrMapping/>
+  </p:clrMapOvr>
+  <p:timing>
+    <p:tnLst>
+      <p:par>
+        <p:cTn id="1" dur="indefinite" restart="never" nodeType="tmRoot"/>
+      </p:par>
+    </p:tnLst>
+  </p:timing>
+</p:sld>
+</file>
+
+<file path=ppt/slides/slide3.xml><?xml version="1.0" encoding="utf-8"?>
+<p:sld xmlns:a="http://schemas.openxmlformats.org/drawingml/2006/main" xmlns:r="http://schemas.openxmlformats.org/officeDocument/2006/relationships" xmlns:p="http://schemas.openxmlformats.org/presentationml/2006/main">
+  <p:cSld>
+    <p:spTree>
+      <p:nvGrpSpPr>
+        <p:cNvPr id="1" name=""/>
+        <p:cNvGrpSpPr/>
+        <p:nvPr/>
+      </p:nvGrpSpPr>
+      <p:grpSpPr>
+        <a:xfrm>
+          <a:off x="0" y="0"/>
+          <a:ext cx="0" cy="0"/>
+          <a:chOff x="0" y="0"/>
+          <a:chExt cx="0" cy="0"/>
+        </a:xfrm>
+      </p:grpSpPr>
+      <mc:AlternateContent xmlns:mc="http://schemas.openxmlformats.org/markup-compatibility/2006">
+        <mc:Choice xmlns:a14="http://schemas.microsoft.com/office/drawing/2010/main" Requires="a14">
+          <p:sp>
+            <p:nvSpPr>
+              <p:cNvPr id="4" name="TextBox 3"/>
+              <p:cNvSpPr txBox="1"/>
+              <p:nvPr/>
+            </p:nvSpPr>
+            <p:spPr>
+              <a:xfrm>
+                <a:off x="775062" y="992777"/>
+                <a:ext cx="10476411" cy="665567"/>
+              </a:xfrm>
+              <a:prstGeom prst="rect">
+                <a:avLst/>
+              </a:prstGeom>
+              <a:noFill/>
+            </p:spPr>
+            <p:txBody>
+              <a:bodyPr wrap="square" rtlCol="0">
+                <a:spAutoFit/>
+              </a:bodyPr>
+              <a:lstStyle/>
+              <a:p>
+                <a:pPr/>
+                <a14:m>
+                  <m:oMathPara xmlns:m="http://schemas.openxmlformats.org/officeDocument/2006/math">
+                    <m:oMathParaPr>
+                      <m:jc m:val="centerGroup"/>
+                    </m:oMathParaPr>
+                    <m:oMath xmlns:m="http://schemas.openxmlformats.org/officeDocument/2006/math">
+                      <m:r>
+                        <m:rPr>
+                          <m:nor/>
+                        </m:rPr>
+                        <a:rPr lang="en-US" i="0" dirty="0" smtClean="0">
+                          <a:latin typeface="Cambria Math" panose="02040503050406030204" pitchFamily="18" charset="0"/>
+                        </a:rPr>
+                        <m:t>Score</m:t>
+                      </m:r>
+                      <m:r>
+                        <a:rPr lang="en-US" i="1" dirty="0" smtClean="0">
+                          <a:latin typeface="Cambria Math" panose="02040503050406030204" pitchFamily="18" charset="0"/>
+                        </a:rPr>
+                        <m:t> =</m:t>
+                      </m:r>
+                      <m:r>
+                        <a:rPr lang="en-US" b="0" i="1" dirty="0" smtClean="0">
+                          <a:latin typeface="Cambria Math" panose="02040503050406030204" pitchFamily="18" charset="0"/>
+                        </a:rPr>
+                        <m:t>75</m:t>
+                      </m:r>
+                      <m:r>
+                        <a:rPr lang="en-US" i="1" dirty="0" smtClean="0">
+                          <a:latin typeface="Cambria Math" panose="02040503050406030204" pitchFamily="18" charset="0"/>
+                        </a:rPr>
+                        <m:t> ∗ </m:t>
+                      </m:r>
+                      <m:f>
+                        <m:fPr>
+                          <m:ctrlPr>
+                            <a:rPr lang="en-NL" i="1" dirty="0" smtClean="0">
+                              <a:latin typeface="Cambria Math" panose="02040503050406030204" pitchFamily="18" charset="0"/>
+                            </a:rPr>
+                          </m:ctrlPr>
+                        </m:fPr>
+                        <m:num>
+                          <m:r>
+                            <m:rPr>
+                              <m:nor/>
+                            </m:rPr>
+                            <a:rPr lang="en-US" b="0" i="0" dirty="0" smtClean="0">
+                              <a:latin typeface="Cambria Math" panose="02040503050406030204" pitchFamily="18" charset="0"/>
+                            </a:rPr>
+                            <m:t>points</m:t>
+                          </m:r>
+                          <m:r>
+                            <m:rPr>
+                              <m:nor/>
+                            </m:rPr>
+                            <a:rPr lang="en-US" b="0" i="0" dirty="0" smtClean="0">
+                              <a:latin typeface="Cambria Math" panose="02040503050406030204" pitchFamily="18" charset="0"/>
+                            </a:rPr>
+                            <m:t> </m:t>
+                          </m:r>
+                          <m:r>
+                            <m:rPr>
+                              <m:nor/>
+                            </m:rPr>
+                            <a:rPr lang="en-US" b="0" i="0" dirty="0" smtClean="0">
+                              <a:latin typeface="Cambria Math" panose="02040503050406030204" pitchFamily="18" charset="0"/>
+                            </a:rPr>
+                            <m:t>won</m:t>
+                          </m:r>
+                        </m:num>
+                        <m:den>
+                          <m:r>
+                            <m:rPr>
+                              <m:nor/>
+                            </m:rPr>
+                            <a:rPr lang="en-US" b="0" i="0" dirty="0" smtClean="0">
+                              <a:latin typeface="Cambria Math" panose="02040503050406030204" pitchFamily="18" charset="0"/>
+                            </a:rPr>
+                            <m:t>points</m:t>
+                          </m:r>
+                          <m:r>
+                            <m:rPr>
+                              <m:nor/>
+                            </m:rPr>
+                            <a:rPr lang="en-US" b="0" i="0" dirty="0" smtClean="0">
+                              <a:latin typeface="Cambria Math" panose="02040503050406030204" pitchFamily="18" charset="0"/>
+                            </a:rPr>
+                            <m:t> </m:t>
+                          </m:r>
+                          <m:r>
+                            <m:rPr>
+                              <m:nor/>
+                            </m:rPr>
+                            <a:rPr lang="en-US" b="0" i="0" dirty="0" smtClean="0">
+                              <a:latin typeface="Cambria Math" panose="02040503050406030204" pitchFamily="18" charset="0"/>
+                            </a:rPr>
+                            <m:t>played</m:t>
+                          </m:r>
+                        </m:den>
+                      </m:f>
+                      <m:r>
+                        <a:rPr lang="en-US" i="1" dirty="0" smtClean="0">
+                          <a:latin typeface="Cambria Math" panose="02040503050406030204" pitchFamily="18" charset="0"/>
+                        </a:rPr>
+                        <m:t> +</m:t>
+                      </m:r>
+                      <m:r>
+                        <a:rPr lang="en-US" b="0" i="1" dirty="0" smtClean="0">
+                          <a:latin typeface="Cambria Math" panose="02040503050406030204" pitchFamily="18" charset="0"/>
+                        </a:rPr>
+                        <m:t>25</m:t>
+                      </m:r>
+                      <m:r>
+                        <a:rPr lang="en-US" i="1" dirty="0" smtClean="0">
+                          <a:latin typeface="Cambria Math" panose="02040503050406030204" pitchFamily="18" charset="0"/>
+                        </a:rPr>
+                        <m:t> ∗</m:t>
+                      </m:r>
+                      <m:f>
+                        <m:fPr>
+                          <m:ctrlPr>
+                            <a:rPr lang="en-NL" i="1" dirty="0" smtClean="0">
+                              <a:latin typeface="Cambria Math" panose="02040503050406030204" pitchFamily="18" charset="0"/>
+                            </a:rPr>
+                          </m:ctrlPr>
+                        </m:fPr>
+                        <m:num>
+                          <m:r>
+                            <m:rPr>
+                              <m:nor/>
+                            </m:rPr>
+                            <a:rPr lang="en-US" b="0" i="0" dirty="0" smtClean="0">
+                              <a:latin typeface="Cambria Math" panose="02040503050406030204" pitchFamily="18" charset="0"/>
+                            </a:rPr>
+                            <m:t>points</m:t>
+                          </m:r>
+                          <m:r>
+                            <m:rPr>
+                              <m:nor/>
+                            </m:rPr>
+                            <a:rPr lang="en-US" b="0" i="0" dirty="0" smtClean="0">
+                              <a:latin typeface="Cambria Math" panose="02040503050406030204" pitchFamily="18" charset="0"/>
+                            </a:rPr>
+                            <m:t> </m:t>
+                          </m:r>
+                          <m:r>
+                            <m:rPr>
+                              <m:nor/>
+                            </m:rPr>
+                            <a:rPr lang="en-US" b="0" i="0" dirty="0" smtClean="0">
+                              <a:latin typeface="Cambria Math" panose="02040503050406030204" pitchFamily="18" charset="0"/>
+                            </a:rPr>
+                            <m:t>played</m:t>
+                          </m:r>
+                        </m:num>
+                        <m:den>
+                          <m:r>
+                            <m:rPr>
+                              <m:nor/>
+                            </m:rPr>
+                            <a:rPr lang="en-US" b="0" i="0" dirty="0" smtClean="0">
+                              <a:latin typeface="Cambria Math" panose="02040503050406030204" pitchFamily="18" charset="0"/>
+                            </a:rPr>
+                            <m:t>total</m:t>
+                          </m:r>
+                          <m:r>
+                            <m:rPr>
+                              <m:nor/>
+                            </m:rPr>
+                            <a:rPr lang="en-US" b="0" i="0" dirty="0" smtClean="0">
+                              <a:latin typeface="Cambria Math" panose="02040503050406030204" pitchFamily="18" charset="0"/>
+                            </a:rPr>
+                            <m:t> </m:t>
+                          </m:r>
+                          <m:r>
+                            <m:rPr>
+                              <m:nor/>
+                            </m:rPr>
+                            <a:rPr lang="en-US" b="0" i="0" dirty="0" smtClean="0">
+                              <a:latin typeface="Cambria Math" panose="02040503050406030204" pitchFamily="18" charset="0"/>
+                            </a:rPr>
+                            <m:t>points</m:t>
+                          </m:r>
+                          <m:r>
+                            <m:rPr>
+                              <m:nor/>
+                            </m:rPr>
+                            <a:rPr lang="en-US" b="0" i="0" dirty="0" smtClean="0">
+                              <a:latin typeface="Cambria Math" panose="02040503050406030204" pitchFamily="18" charset="0"/>
+                            </a:rPr>
+                            <m:t> </m:t>
+                          </m:r>
+                          <m:r>
+                            <m:rPr>
+                              <m:nor/>
+                            </m:rPr>
+                            <a:rPr lang="en-US" b="0" i="0" dirty="0" smtClean="0">
+                              <a:latin typeface="Cambria Math" panose="02040503050406030204" pitchFamily="18" charset="0"/>
+                            </a:rPr>
+                            <m:t>played</m:t>
+                          </m:r>
+                        </m:den>
+                      </m:f>
+                    </m:oMath>
+                  </m:oMathPara>
+                </a14:m>
+                <a:endParaRPr lang="en-GB" dirty="0"/>
+              </a:p>
+            </p:txBody>
+          </p:sp>
+        </mc:Choice>
         <mc:Fallback>
           <p:sp>
             <p:nvSpPr>
@@ -3368,10 +3765,239 @@
           </a:p>
         </p:txBody>
       </p:sp>
+      <mc:AlternateContent xmlns:mc="http://schemas.openxmlformats.org/markup-compatibility/2006">
+        <mc:Choice xmlns:a14="http://schemas.microsoft.com/office/drawing/2010/main" Requires="a14">
+          <p:sp>
+            <p:nvSpPr>
+              <p:cNvPr id="6" name="TextBox 5"/>
+              <p:cNvSpPr txBox="1"/>
+              <p:nvPr/>
+            </p:nvSpPr>
+            <p:spPr>
+              <a:xfrm>
+                <a:off x="927462" y="1658344"/>
+                <a:ext cx="10476411" cy="679032"/>
+              </a:xfrm>
+              <a:prstGeom prst="rect">
+                <a:avLst/>
+              </a:prstGeom>
+              <a:noFill/>
+            </p:spPr>
+            <p:txBody>
+              <a:bodyPr wrap="square" rtlCol="0">
+                <a:spAutoFit/>
+              </a:bodyPr>
+              <a:lstStyle/>
+              <a:p>
+                <a:pPr/>
+                <a14:m>
+                  <m:oMathPara xmlns:m="http://schemas.openxmlformats.org/officeDocument/2006/math">
+                    <m:oMathParaPr>
+                      <m:jc m:val="centerGroup"/>
+                    </m:oMathParaPr>
+                    <m:oMath xmlns:m="http://schemas.openxmlformats.org/officeDocument/2006/math">
+                      <m:r>
+                        <m:rPr>
+                          <m:nor/>
+                        </m:rPr>
+                        <a:rPr lang="en-US" b="0" i="0" smtClean="0">
+                          <a:latin typeface="Cambria Math" panose="02040503050406030204" pitchFamily="18" charset="0"/>
+                        </a:rPr>
+                        <m:t>points</m:t>
+                      </m:r>
+                      <m:r>
+                        <m:rPr>
+                          <m:nor/>
+                        </m:rPr>
+                        <a:rPr lang="en-US" b="0" i="0" smtClean="0">
+                          <a:latin typeface="Cambria Math" panose="02040503050406030204" pitchFamily="18" charset="0"/>
+                        </a:rPr>
+                        <m:t> </m:t>
+                      </m:r>
+                      <m:r>
+                        <m:rPr>
+                          <m:nor/>
+                        </m:rPr>
+                        <a:rPr lang="en-US" b="0" i="0" smtClean="0">
+                          <a:latin typeface="Cambria Math" panose="02040503050406030204" pitchFamily="18" charset="0"/>
+                        </a:rPr>
+                        <m:t>won</m:t>
+                      </m:r>
+                      <m:r>
+                        <m:rPr>
+                          <m:nor/>
+                        </m:rPr>
+                        <a:rPr lang="en-US" b="0" i="0" smtClean="0">
+                          <a:latin typeface="Cambria Math" panose="02040503050406030204" pitchFamily="18" charset="0"/>
+                        </a:rPr>
+                        <m:t>=</m:t>
+                      </m:r>
+                      <m:f>
+                        <m:fPr>
+                          <m:ctrlPr>
+                            <a:rPr lang="en-NL" b="0" i="1" smtClean="0">
+                              <a:latin typeface="Cambria Math" panose="02040503050406030204" pitchFamily="18" charset="0"/>
+                            </a:rPr>
+                          </m:ctrlPr>
+                        </m:fPr>
+                        <m:num>
+                          <m:func>
+                            <m:funcPr>
+                              <m:ctrlPr>
+                                <a:rPr lang="en-US" i="1">
+                                  <a:latin typeface="Cambria Math" panose="02040503050406030204" pitchFamily="18" charset="0"/>
+                                </a:rPr>
+                              </m:ctrlPr>
+                            </m:funcPr>
+                            <m:fName>
+                              <m:r>
+                                <m:rPr>
+                                  <m:nor/>
+                                </m:rPr>
+                                <a:rPr lang="en-US" i="0">
+                                  <a:latin typeface="Cambria Math" panose="02040503050406030204" pitchFamily="18" charset="0"/>
+                                </a:rPr>
+                                <m:t>max</m:t>
+                              </m:r>
+                            </m:fName>
+                            <m:e>
+                              <m:d>
+                                <m:dPr>
+                                  <m:ctrlPr>
+                                    <a:rPr lang="en-US" i="1">
+                                      <a:latin typeface="Cambria Math" panose="02040503050406030204" pitchFamily="18" charset="0"/>
+                                    </a:rPr>
+                                  </m:ctrlPr>
+                                </m:dPr>
+                                <m:e>
+                                  <m:r>
+                                    <m:rPr>
+                                      <m:nor/>
+                                    </m:rPr>
+                                    <a:rPr lang="en-US" i="0">
+                                      <a:latin typeface="Cambria Math" panose="02040503050406030204" pitchFamily="18" charset="0"/>
+                                    </a:rPr>
+                                    <m:t>rank</m:t>
+                                  </m:r>
+                                  <m:r>
+                                    <m:rPr>
+                                      <m:nor/>
+                                    </m:rPr>
+                                    <a:rPr lang="en-US" b="0" i="0" smtClean="0">
+                                      <a:latin typeface="Cambria Math" panose="02040503050406030204" pitchFamily="18" charset="0"/>
+                                    </a:rPr>
+                                    <m:t>s</m:t>
+                                  </m:r>
+                                </m:e>
+                              </m:d>
+                              <m:r>
+                                <a:rPr lang="en-US" i="1">
+                                  <a:latin typeface="Cambria Math" panose="02040503050406030204" pitchFamily="18" charset="0"/>
+                                </a:rPr>
+                                <m:t>−</m:t>
+                              </m:r>
+                              <m:r>
+                                <m:rPr>
+                                  <m:nor/>
+                                </m:rPr>
+                                <a:rPr lang="en-US" i="0">
+                                  <a:latin typeface="Cambria Math" panose="02040503050406030204" pitchFamily="18" charset="0"/>
+                                </a:rPr>
+                                <m:t>rank</m:t>
+                              </m:r>
+                            </m:e>
+                          </m:func>
+                        </m:num>
+                        <m:den>
+                          <m:r>
+                            <m:rPr>
+                              <m:nor/>
+                            </m:rPr>
+                            <a:rPr lang="en-US" b="0" i="0" smtClean="0">
+                              <a:latin typeface="Cambria Math" panose="02040503050406030204" pitchFamily="18" charset="0"/>
+                            </a:rPr>
+                            <m:t>sum</m:t>
+                          </m:r>
+                          <m:r>
+                            <m:rPr>
+                              <m:nor/>
+                            </m:rPr>
+                            <a:rPr lang="en-US" b="0" i="0" smtClean="0">
+                              <a:latin typeface="Cambria Math" panose="02040503050406030204" pitchFamily="18" charset="0"/>
+                            </a:rPr>
+                            <m:t>(</m:t>
+                          </m:r>
+                          <m:r>
+                            <m:rPr>
+                              <m:nor/>
+                            </m:rPr>
+                            <a:rPr lang="en-US" b="0" i="0" smtClean="0">
+                              <a:latin typeface="Cambria Math" panose="02040503050406030204" pitchFamily="18" charset="0"/>
+                            </a:rPr>
+                            <m:t>ranks</m:t>
+                          </m:r>
+                          <m:r>
+                            <m:rPr>
+                              <m:nor/>
+                            </m:rPr>
+                            <a:rPr lang="en-US" b="0" i="0" smtClean="0">
+                              <a:latin typeface="Cambria Math" panose="02040503050406030204" pitchFamily="18" charset="0"/>
+                            </a:rPr>
+                            <m:t>)</m:t>
+                          </m:r>
+                        </m:den>
+                      </m:f>
+                    </m:oMath>
+                  </m:oMathPara>
+                </a14:m>
+                <a:endParaRPr lang="en-GB" dirty="0"/>
+              </a:p>
+            </p:txBody>
+          </p:sp>
+        </mc:Choice>
+        <mc:Fallback>
+          <p:sp>
+            <p:nvSpPr>
+              <p:cNvPr id="6" name="TextBox 5"/>
+              <p:cNvSpPr txBox="1">
+                <a:spLocks noRot="1" noChangeAspect="1" noMove="1" noResize="1" noEditPoints="1" noAdjustHandles="1" noChangeArrowheads="1" noChangeShapeType="1" noTextEdit="1"/>
+              </p:cNvSpPr>
+              <p:nvPr/>
+            </p:nvSpPr>
+            <p:spPr>
+              <a:xfrm>
+                <a:off x="927462" y="1658344"/>
+                <a:ext cx="10476411" cy="679032"/>
+              </a:xfrm>
+              <a:prstGeom prst="rect">
+                <a:avLst/>
+              </a:prstGeom>
+              <a:blipFill>
+                <a:blip r:embed="rId3"/>
+                <a:stretch>
+                  <a:fillRect/>
+                </a:stretch>
+              </a:blipFill>
+            </p:spPr>
+            <p:txBody>
+              <a:bodyPr/>
+              <a:lstStyle/>
+              <a:p>
+                <a:r>
+                  <a:rPr lang="en-GB">
+                    <a:noFill/>
+                  </a:rPr>
+                  <a:t> </a:t>
+                </a:r>
+              </a:p>
+            </p:txBody>
+          </p:sp>
+        </mc:Fallback>
+      </mc:AlternateContent>
     </p:spTree>
     <p:extLst>
       <p:ext uri="{BB962C8B-B14F-4D97-AF65-F5344CB8AC3E}">
-        <p14:creationId xmlns:p14="http://schemas.microsoft.com/office/powerpoint/2010/main" val="3427591774"/>
+        <p14:creationId xmlns:p14="http://schemas.microsoft.com/office/powerpoint/2010/main" val="3047114601"/>
       </p:ext>
     </p:extLst>
   </p:cSld>
@@ -3650,6 +4276,15 @@
 </file>
 
 <file path=customXml/item1.xml><?xml version="1.0" encoding="utf-8"?>
+<?mso-contentType ?>
+<FormTemplates xmlns="http://schemas.microsoft.com/sharepoint/v3/contenttype/forms">
+  <Display>DocumentLibraryForm</Display>
+  <Edit>DocumentLibraryForm</Edit>
+  <New>DocumentLibraryForm</New>
+</FormTemplates>
+</file>
+
+<file path=customXml/item2.xml><?xml version="1.0" encoding="utf-8"?>
 <ct:contentTypeSchema xmlns:ct="http://schemas.microsoft.com/office/2006/metadata/contentType" xmlns:ma="http://schemas.microsoft.com/office/2006/metadata/properties/metaAttributes" ct:_="" ma:_="" ma:contentTypeName="Document" ma:contentTypeID="0x0101001121755AD350B04AA8E24B8714E43803" ma:contentTypeVersion="15" ma:contentTypeDescription="Create a new document." ma:contentTypeScope="" ma:versionID="070ec28557a3600c7b507f79d1719f7a">
   <xsd:schema xmlns:xsd="http://www.w3.org/2001/XMLSchema" xmlns:xs="http://www.w3.org/2001/XMLSchema" xmlns:p="http://schemas.microsoft.com/office/2006/metadata/properties" xmlns:ns1="http://schemas.microsoft.com/sharepoint/v3" xmlns:ns3="3bc6fab5-0330-4e6d-8517-d98612b1d946" xmlns:ns4="ed59b065-7786-4ad4-964e-0936306ec768" targetNamespace="http://schemas.microsoft.com/office/2006/metadata/properties" ma:root="true" ma:fieldsID="3b83721207f7df572bc289001bf927eb" ns1:_="" ns3:_="" ns4:_="">
     <xsd:import namespace="http://schemas.microsoft.com/sharepoint/v3"/>
@@ -3889,15 +4524,6 @@
 </ct:contentTypeSchema>
 </file>
 
-<file path=customXml/item2.xml><?xml version="1.0" encoding="utf-8"?>
-<?mso-contentType ?>
-<FormTemplates xmlns="http://schemas.microsoft.com/sharepoint/v3/contenttype/forms">
-  <Display>DocumentLibraryForm</Display>
-  <Edit>DocumentLibraryForm</Edit>
-  <New>DocumentLibraryForm</New>
-</FormTemplates>
-</file>
-
 <file path=customXml/item3.xml><?xml version="1.0" encoding="utf-8"?>
 <p:properties xmlns:p="http://schemas.microsoft.com/office/2006/metadata/properties" xmlns:xsi="http://www.w3.org/2001/XMLSchema-instance" xmlns:pc="http://schemas.microsoft.com/office/infopath/2007/PartnerControls">
   <documentManagement>
@@ -3908,6 +4534,14 @@
 </file>
 
 <file path=customXml/itemProps1.xml><?xml version="1.0" encoding="utf-8"?>
+<ds:datastoreItem xmlns:ds="http://schemas.openxmlformats.org/officeDocument/2006/customXml" ds:itemID="{9A75D079-2F04-4520-A7FE-083BBC469092}">
+  <ds:schemaRefs>
+    <ds:schemaRef ds:uri="http://schemas.microsoft.com/sharepoint/v3/contenttype/forms"/>
+  </ds:schemaRefs>
+</ds:datastoreItem>
+</file>
+
+<file path=customXml/itemProps2.xml><?xml version="1.0" encoding="utf-8"?>
 <ds:datastoreItem xmlns:ds="http://schemas.openxmlformats.org/officeDocument/2006/customXml" ds:itemID="{201720F5-2E54-48F5-808F-3A261382AFB1}">
   <ds:schemaRefs>
     <ds:schemaRef ds:uri="http://schemas.microsoft.com/office/2006/metadata/contentType"/>
@@ -3923,14 +4557,6 @@
     <ds:schemaRef ds:uri="http://purl.org/dc/elements/1.1/"/>
     <ds:schemaRef ds:uri="http://purl.org/dc/terms/"/>
     <ds:schemaRef ds:uri="http://schemas.microsoft.com/internal/obd"/>
-  </ds:schemaRefs>
-</ds:datastoreItem>
-</file>
-
-<file path=customXml/itemProps2.xml><?xml version="1.0" encoding="utf-8"?>
-<ds:datastoreItem xmlns:ds="http://schemas.openxmlformats.org/officeDocument/2006/customXml" ds:itemID="{9A75D079-2F04-4520-A7FE-083BBC469092}">
-  <ds:schemaRefs>
-    <ds:schemaRef ds:uri="http://schemas.microsoft.com/sharepoint/v3/contenttype/forms"/>
   </ds:schemaRefs>
 </ds:datastoreItem>
 </file>
